--- a/자전거 대여 분석 프로젝트.pptx
+++ b/자전거 대여 분석 프로젝트.pptx
@@ -5048,6 +5048,9 @@
           </a:bodyPr>
           <a:lstStyle/>
           <a:p>
+            <a:pPr marL="0" indent="0">
+              <a:buNone/>
+            </a:pPr>
             <a:r>
               <a:rPr lang="en-US" altLang="ko-KR" sz="2400" dirty="0"/>
               <a:t>Dew point temperature</a:t>
@@ -10692,14 +10695,17 @@
         </p:nvSpPr>
         <p:spPr>
           <a:xfrm>
-            <a:off x="1061774" y="5630472"/>
-            <a:ext cx="10515600" cy="2234746"/>
+            <a:off x="906861" y="5630472"/>
+            <a:ext cx="10825426" cy="2234746"/>
           </a:xfrm>
         </p:spPr>
         <p:txBody>
           <a:bodyPr/>
           <a:lstStyle/>
           <a:p>
+            <a:pPr marL="0" indent="0">
+              <a:buNone/>
+            </a:pPr>
             <a:r>
               <a:rPr lang="en-US" altLang="ko-KR" dirty="0"/>
               <a:t>Date,</a:t>
@@ -21453,6 +21459,9 @@
           </a:bodyPr>
           <a:lstStyle/>
           <a:p>
+            <a:pPr marL="0" indent="0">
+              <a:buNone/>
+            </a:pPr>
             <a:r>
               <a:rPr lang="en-US" altLang="ko-KR" sz="2000" b="0" i="0" dirty="0">
                 <a:effectLst/>
@@ -29075,6 +29084,9 @@
           </a:bodyPr>
           <a:lstStyle/>
           <a:p>
+            <a:pPr marL="0" indent="0">
+              <a:buNone/>
+            </a:pPr>
             <a:r>
               <a:rPr lang="ko-KR" altLang="en-US" sz="2400" dirty="0"/>
               <a:t>자전거 대여수의 중위수를 기준으로 </a:t>
@@ -29097,7 +29109,7 @@
             </a:r>
             <a:r>
               <a:rPr lang="en-US" altLang="ko-KR" sz="2400" dirty="0"/>
-              <a:t>Bike B</a:t>
+              <a:t>Bike B </a:t>
             </a:r>
             <a:r>
               <a:rPr lang="ko-KR" altLang="en-US" sz="2400" dirty="0"/>
@@ -30714,6 +30726,9 @@
             <a:endParaRPr lang="en-US" altLang="ko-KR" sz="2000" dirty="0"/>
           </a:p>
           <a:p>
+            <a:pPr marL="0" indent="0">
+              <a:buNone/>
+            </a:pPr>
             <a:r>
               <a:rPr lang="ko-KR" altLang="en-US" sz="2400" dirty="0"/>
               <a:t>제거할만한 변수가 없었다</a:t>
@@ -31375,7 +31390,7 @@
         </p:nvSpPr>
         <p:spPr>
           <a:xfrm>
-            <a:off x="1263363" y="5265471"/>
+            <a:off x="1774991" y="5265471"/>
             <a:ext cx="9281933" cy="2401287"/>
           </a:xfrm>
         </p:spPr>
@@ -31385,6 +31400,9 @@
           </a:bodyPr>
           <a:lstStyle/>
           <a:p>
+            <a:pPr marL="0" indent="0">
+              <a:buNone/>
+            </a:pPr>
             <a:r>
               <a:rPr lang="en-US" altLang="ko-KR" sz="2400" dirty="0"/>
               <a:t>Rainfall </a:t>
@@ -32147,7 +32165,7 @@
         </p:nvSpPr>
         <p:spPr>
           <a:xfrm>
-            <a:off x="293914" y="5653227"/>
+            <a:off x="337457" y="5653227"/>
             <a:ext cx="11732646" cy="965504"/>
           </a:xfrm>
         </p:spPr>
@@ -32157,6 +32175,9 @@
           </a:bodyPr>
           <a:lstStyle/>
           <a:p>
+            <a:pPr marL="0" indent="0">
+              <a:buNone/>
+            </a:pPr>
             <a:r>
               <a:rPr lang="ko-KR" altLang="en-US" sz="2400" dirty="0"/>
               <a:t>그래프를 보고 </a:t>
@@ -32226,12 +32247,8 @@
               <a:t>4</a:t>
             </a:r>
             <a:r>
-              <a:rPr lang="ko-KR" altLang="en-US" sz="2400"/>
-              <a:t>개 </a:t>
-            </a:r>
-            <a:r>
               <a:rPr lang="ko-KR" altLang="en-US" sz="2400" dirty="0"/>
-              <a:t>포함</a:t>
+              <a:t>개 포함</a:t>
             </a:r>
             <a:r>
               <a:rPr lang="en-US" altLang="ko-KR" sz="2400" dirty="0"/>
